--- a/MadLibs/madlibs.pptx
+++ b/MadLibs/madlibs.pptx
@@ -256,7 +256,7 @@
           <a:p>
             <a:fld id="{E02D74CE-98E0-4FB6-A43E-DB882FFF0EED}" type="datetimeFigureOut">
               <a:rPr lang="en-US" smtClean="0"/>
-              <a:t>12/4/2016</a:t>
+              <a:t>12/6/2016</a:t>
             </a:fld>
             <a:endParaRPr lang="en-US"/>
           </a:p>
@@ -424,7 +424,7 @@
           <a:p>
             <a:fld id="{E02D74CE-98E0-4FB6-A43E-DB882FFF0EED}" type="datetimeFigureOut">
               <a:rPr lang="en-US" smtClean="0"/>
-              <a:t>12/4/2016</a:t>
+              <a:t>12/6/2016</a:t>
             </a:fld>
             <a:endParaRPr lang="en-US"/>
           </a:p>
@@ -602,7 +602,7 @@
           <a:p>
             <a:fld id="{E02D74CE-98E0-4FB6-A43E-DB882FFF0EED}" type="datetimeFigureOut">
               <a:rPr lang="en-US" smtClean="0"/>
-              <a:t>12/4/2016</a:t>
+              <a:t>12/6/2016</a:t>
             </a:fld>
             <a:endParaRPr lang="en-US"/>
           </a:p>
@@ -770,7 +770,7 @@
           <a:p>
             <a:fld id="{E02D74CE-98E0-4FB6-A43E-DB882FFF0EED}" type="datetimeFigureOut">
               <a:rPr lang="en-US" smtClean="0"/>
-              <a:t>12/4/2016</a:t>
+              <a:t>12/6/2016</a:t>
             </a:fld>
             <a:endParaRPr lang="en-US"/>
           </a:p>
@@ -1015,7 +1015,7 @@
           <a:p>
             <a:fld id="{E02D74CE-98E0-4FB6-A43E-DB882FFF0EED}" type="datetimeFigureOut">
               <a:rPr lang="en-US" smtClean="0"/>
-              <a:t>12/4/2016</a:t>
+              <a:t>12/6/2016</a:t>
             </a:fld>
             <a:endParaRPr lang="en-US"/>
           </a:p>
@@ -1244,7 +1244,7 @@
           <a:p>
             <a:fld id="{E02D74CE-98E0-4FB6-A43E-DB882FFF0EED}" type="datetimeFigureOut">
               <a:rPr lang="en-US" smtClean="0"/>
-              <a:t>12/4/2016</a:t>
+              <a:t>12/6/2016</a:t>
             </a:fld>
             <a:endParaRPr lang="en-US"/>
           </a:p>
@@ -1608,7 +1608,7 @@
           <a:p>
             <a:fld id="{E02D74CE-98E0-4FB6-A43E-DB882FFF0EED}" type="datetimeFigureOut">
               <a:rPr lang="en-US" smtClean="0"/>
-              <a:t>12/4/2016</a:t>
+              <a:t>12/6/2016</a:t>
             </a:fld>
             <a:endParaRPr lang="en-US"/>
           </a:p>
@@ -1725,7 +1725,7 @@
           <a:p>
             <a:fld id="{E02D74CE-98E0-4FB6-A43E-DB882FFF0EED}" type="datetimeFigureOut">
               <a:rPr lang="en-US" smtClean="0"/>
-              <a:t>12/4/2016</a:t>
+              <a:t>12/6/2016</a:t>
             </a:fld>
             <a:endParaRPr lang="en-US"/>
           </a:p>
@@ -1820,7 +1820,7 @@
           <a:p>
             <a:fld id="{E02D74CE-98E0-4FB6-A43E-DB882FFF0EED}" type="datetimeFigureOut">
               <a:rPr lang="en-US" smtClean="0"/>
-              <a:t>12/4/2016</a:t>
+              <a:t>12/6/2016</a:t>
             </a:fld>
             <a:endParaRPr lang="en-US"/>
           </a:p>
@@ -2095,7 +2095,7 @@
           <a:p>
             <a:fld id="{E02D74CE-98E0-4FB6-A43E-DB882FFF0EED}" type="datetimeFigureOut">
               <a:rPr lang="en-US" smtClean="0"/>
-              <a:t>12/4/2016</a:t>
+              <a:t>12/6/2016</a:t>
             </a:fld>
             <a:endParaRPr lang="en-US"/>
           </a:p>
@@ -2347,7 +2347,7 @@
           <a:p>
             <a:fld id="{E02D74CE-98E0-4FB6-A43E-DB882FFF0EED}" type="datetimeFigureOut">
               <a:rPr lang="en-US" smtClean="0"/>
-              <a:t>12/4/2016</a:t>
+              <a:t>12/6/2016</a:t>
             </a:fld>
             <a:endParaRPr lang="en-US"/>
           </a:p>
@@ -2558,7 +2558,7 @@
           <a:p>
             <a:fld id="{E02D74CE-98E0-4FB6-A43E-DB882FFF0EED}" type="datetimeFigureOut">
               <a:rPr lang="en-US" smtClean="0"/>
-              <a:t>12/4/2016</a:t>
+              <a:t>12/6/2016</a:t>
             </a:fld>
             <a:endParaRPr lang="en-US"/>
           </a:p>
@@ -3677,9 +3677,6 @@
               </a:rPr>
               <a:t> + story)</a:t>
             </a:r>
-            <a:endParaRPr lang="en-US" dirty="0">
-              <a:latin typeface="Consolas" panose="020B0609020204030204" pitchFamily="49" charset="0"/>
-            </a:endParaRPr>
           </a:p>
         </p:txBody>
       </p:sp>
@@ -3725,7 +3722,6 @@
               <a:rPr lang="en-US" sz="2000" dirty="0"/>
               <a:t>letterfromcamp.txt</a:t>
             </a:r>
-            <a:endParaRPr lang="en-US" sz="2000" dirty="0"/>
           </a:p>
         </p:txBody>
       </p:sp>
@@ -4183,9 +4179,6 @@
               </a:rPr>
               <a:t>)</a:t>
             </a:r>
-            <a:endParaRPr lang="en-US" dirty="0">
-              <a:latin typeface="Consolas" panose="020B0609020204030204" pitchFamily="49" charset="0"/>
-            </a:endParaRPr>
           </a:p>
         </p:txBody>
       </p:sp>
@@ -4621,7 +4614,6 @@
               <a:rPr lang="en-US" sz="1600" dirty="0"/>
               <a:t> to pay for the vacation.</a:t>
             </a:r>
-            <a:endParaRPr lang="en-US" sz="1600" dirty="0"/>
           </a:p>
         </p:txBody>
       </p:sp>
@@ -6545,8 +6537,12 @@
           <a:lstStyle/>
           <a:p>
             <a:r>
+              <a:rPr lang="en-US" dirty="0" smtClean="0"/>
+              <a:t>Mab Libs </a:t>
+            </a:r>
+            <a:r>
               <a:rPr lang="en-US" dirty="0"/>
-              <a:t>Hangman – Our version</a:t>
+              <a:t>– Our version</a:t>
             </a:r>
           </a:p>
         </p:txBody>
@@ -7655,7 +7651,6 @@
               <a:rPr lang="en-US" sz="2000" dirty="0"/>
               <a:t>letterfromcamp.txt</a:t>
             </a:r>
-            <a:endParaRPr lang="en-US" sz="2000" dirty="0"/>
           </a:p>
         </p:txBody>
       </p:sp>
@@ -7981,7 +7976,6 @@
               <a:rPr lang="en-US" sz="2000" dirty="0"/>
               <a:t> to pay for the vacation.</a:t>
             </a:r>
-            <a:endParaRPr lang="en-US" sz="2000" dirty="0"/>
           </a:p>
         </p:txBody>
       </p:sp>
